--- a/semspso.pptx
+++ b/semspso.pptx
@@ -4796,8 +4796,8 @@
           </a:p>
         </p:txBody>
       </p:sp>
-      <mc:AlternateContent xmlns:mc="http://schemas.openxmlformats.org/markup-compatibility/2006">
-        <mc:Choice xmlns:a14="http://schemas.microsoft.com/office/drawing/2010/main" Requires="a14">
+      <mc:AlternateContent xmlns:mc="http://schemas.openxmlformats.org/markup-compatibility/2006" xmlns:a14="http://schemas.microsoft.com/office/drawing/2010/main">
+        <mc:Choice Requires="a14">
           <p:graphicFrame>
             <p:nvGraphicFramePr>
               <p:cNvPr id="5" name="表格 4">
@@ -4932,8 +4932,9 @@
                                 <m:sSub>
                                   <m:sSubPr>
                                     <m:ctrlPr>
-                                      <a:rPr lang="zh-TW" sz="1900">
+                                      <a:rPr lang="zh-TW" sz="1900" i="1">
                                         <a:effectLst/>
+                                        <a:latin typeface="Cambria Math" panose="02040503050406030204" pitchFamily="18" charset="0"/>
                                       </a:rPr>
                                     </m:ctrlPr>
                                   </m:sSubPr>
@@ -4941,6 +4942,7 @@
                                     <m:r>
                                       <a:rPr lang="en-US" sz="1900">
                                         <a:effectLst/>
+                                        <a:latin typeface="Cambria Math" panose="02040503050406030204" pitchFamily="18" charset="0"/>
                                       </a:rPr>
                                       <m:t>𝑟</m:t>
                                     </m:r>
@@ -4949,6 +4951,7 @@
                                     <m:r>
                                       <a:rPr lang="en-US" sz="1900">
                                         <a:effectLst/>
+                                        <a:latin typeface="Cambria Math" panose="02040503050406030204" pitchFamily="18" charset="0"/>
                                       </a:rPr>
                                       <m:t>1</m:t>
                                     </m:r>
@@ -4998,8 +5001,9 @@
                                 <m:sSub>
                                   <m:sSubPr>
                                     <m:ctrlPr>
-                                      <a:rPr lang="zh-TW" sz="1900">
+                                      <a:rPr lang="zh-TW" sz="1900" i="1">
                                         <a:effectLst/>
+                                        <a:latin typeface="Cambria Math" panose="02040503050406030204" pitchFamily="18" charset="0"/>
                                       </a:rPr>
                                     </m:ctrlPr>
                                   </m:sSubPr>
@@ -5007,6 +5011,7 @@
                                     <m:r>
                                       <a:rPr lang="en-US" sz="1900">
                                         <a:effectLst/>
+                                        <a:latin typeface="Cambria Math" panose="02040503050406030204" pitchFamily="18" charset="0"/>
                                       </a:rPr>
                                       <m:t>𝑟</m:t>
                                     </m:r>
@@ -5015,6 +5020,7 @@
                                     <m:r>
                                       <a:rPr lang="en-US" sz="1900">
                                         <a:effectLst/>
+                                        <a:latin typeface="Cambria Math" panose="02040503050406030204" pitchFamily="18" charset="0"/>
                                       </a:rPr>
                                       <m:t>2</m:t>
                                     </m:r>
@@ -5064,8 +5070,9 @@
                                 <m:sSub>
                                   <m:sSubPr>
                                     <m:ctrlPr>
-                                      <a:rPr lang="zh-TW" sz="1900">
+                                      <a:rPr lang="zh-TW" sz="1900" i="1">
                                         <a:effectLst/>
+                                        <a:latin typeface="Cambria Math" panose="02040503050406030204" pitchFamily="18" charset="0"/>
                                       </a:rPr>
                                     </m:ctrlPr>
                                   </m:sSubPr>
@@ -5073,6 +5080,7 @@
                                     <m:r>
                                       <a:rPr lang="en-US" sz="1900">
                                         <a:effectLst/>
+                                        <a:latin typeface="Cambria Math" panose="02040503050406030204" pitchFamily="18" charset="0"/>
                                       </a:rPr>
                                       <m:t>𝑟</m:t>
                                     </m:r>
@@ -5081,6 +5089,7 @@
                                     <m:r>
                                       <a:rPr lang="en-US" sz="1900">
                                         <a:effectLst/>
+                                        <a:latin typeface="Cambria Math" panose="02040503050406030204" pitchFamily="18" charset="0"/>
                                       </a:rPr>
                                       <m:t>3</m:t>
                                     </m:r>
@@ -5130,8 +5139,9 @@
                                 <m:sSub>
                                   <m:sSubPr>
                                     <m:ctrlPr>
-                                      <a:rPr lang="zh-TW" sz="1900">
+                                      <a:rPr lang="zh-TW" sz="1900" i="1">
                                         <a:effectLst/>
+                                        <a:latin typeface="Cambria Math" panose="02040503050406030204" pitchFamily="18" charset="0"/>
                                       </a:rPr>
                                     </m:ctrlPr>
                                   </m:sSubPr>
@@ -5139,6 +5149,7 @@
                                     <m:r>
                                       <a:rPr lang="en-US" sz="1900">
                                         <a:effectLst/>
+                                        <a:latin typeface="Cambria Math" panose="02040503050406030204" pitchFamily="18" charset="0"/>
                                       </a:rPr>
                                       <m:t>𝑟</m:t>
                                     </m:r>
@@ -5147,6 +5158,7 @@
                                     <m:r>
                                       <a:rPr lang="en-US" sz="1900">
                                         <a:effectLst/>
+                                        <a:latin typeface="Cambria Math" panose="02040503050406030204" pitchFamily="18" charset="0"/>
                                       </a:rPr>
                                       <m:t>4</m:t>
                                     </m:r>
@@ -5203,6 +5215,7 @@
                                 <m:r>
                                   <a:rPr lang="en-US" sz="1900">
                                     <a:effectLst/>
+                                    <a:latin typeface="Cambria Math" panose="02040503050406030204" pitchFamily="18" charset="0"/>
                                   </a:rPr>
                                   <m:t>𝛼</m:t>
                                 </m:r>
@@ -5409,6 +5422,7 @@
                                 <m:r>
                                   <a:rPr lang="en-US" sz="1900">
                                     <a:effectLst/>
+                                    <a:latin typeface="Cambria Math" panose="02040503050406030204" pitchFamily="18" charset="0"/>
                                   </a:rPr>
                                   <m:t>𝛽</m:t>
                                 </m:r>
@@ -5723,6 +5737,7 @@
                                 <m:r>
                                   <a:rPr lang="en-US" sz="1900">
                                     <a:effectLst/>
+                                    <a:latin typeface="Cambria Math" panose="02040503050406030204" pitchFamily="18" charset="0"/>
                                   </a:rPr>
                                   <m:t>𝜀</m:t>
                                 </m:r>
@@ -5864,7 +5879,7 @@
             </a:graphic>
           </p:graphicFrame>
         </mc:Choice>
-        <mc:Fallback>
+        <mc:Fallback xmlns="">
           <p:graphicFrame>
             <p:nvGraphicFramePr>
               <p:cNvPr id="5" name="表格 4">
@@ -8319,45 +8334,99 @@
           </a:p>
         </p:txBody>
       </p:sp>
-      <p:pic>
-        <p:nvPicPr>
-          <p:cNvPr id="7" name="圖片 6">
+      <p:grpSp>
+        <p:nvGrpSpPr>
+          <p:cNvPr id="11" name="群組 10">
             <a:extLst>
               <a:ext uri="{FF2B5EF4-FFF2-40B4-BE49-F238E27FC236}">
-                <a16:creationId xmlns:a16="http://schemas.microsoft.com/office/drawing/2014/main" id="{A54E0AB4-F24B-431C-805D-70A40A7F0E05}"/>
+                <a16:creationId xmlns:a16="http://schemas.microsoft.com/office/drawing/2014/main" id="{2AD11AB1-F447-4CAA-9A6D-A57553799410}"/>
               </a:ext>
             </a:extLst>
           </p:cNvPr>
-          <p:cNvPicPr/>
+          <p:cNvGrpSpPr/>
           <p:nvPr/>
-        </p:nvPicPr>
-        <p:blipFill>
-          <a:blip r:embed="rId2" cstate="print">
-            <a:extLst>
-              <a:ext uri="{28A0092B-C50C-407E-A947-70E740481C1C}">
-                <a14:useLocalDpi xmlns:a14="http://schemas.microsoft.com/office/drawing/2010/main" val="0"/>
-              </a:ext>
-            </a:extLst>
-          </a:blip>
-          <a:srcRect/>
-          <a:stretch>
-            <a:fillRect/>
-          </a:stretch>
-        </p:blipFill>
-        <p:spPr bwMode="auto">
+        </p:nvGrpSpPr>
+        <p:grpSpPr>
           <a:xfrm>
-            <a:off x="2893558" y="1023461"/>
-            <a:ext cx="6406472" cy="4811078"/>
+            <a:off x="2888449" y="1022741"/>
+            <a:ext cx="6416689" cy="4812517"/>
+            <a:chOff x="4795901" y="787684"/>
+            <a:chExt cx="6095238" cy="4571429"/>
           </a:xfrm>
-          <a:prstGeom prst="rect">
-            <a:avLst/>
-          </a:prstGeom>
-          <a:noFill/>
-          <a:ln>
-            <a:noFill/>
-          </a:ln>
-        </p:spPr>
-      </p:pic>
+        </p:grpSpPr>
+        <p:pic>
+          <p:nvPicPr>
+            <p:cNvPr id="12" name="圖片 11">
+              <a:extLst>
+                <a:ext uri="{FF2B5EF4-FFF2-40B4-BE49-F238E27FC236}">
+                  <a16:creationId xmlns:a16="http://schemas.microsoft.com/office/drawing/2014/main" id="{EF6D40AC-AF64-45F6-825E-EB9D65C35C32}"/>
+                </a:ext>
+              </a:extLst>
+            </p:cNvPr>
+            <p:cNvPicPr>
+              <a:picLocks noChangeAspect="1"/>
+            </p:cNvPicPr>
+            <p:nvPr/>
+          </p:nvPicPr>
+          <p:blipFill>
+            <a:blip r:embed="rId2">
+              <a:extLst>
+                <a:ext uri="{28A0092B-C50C-407E-A947-70E740481C1C}">
+                  <a14:useLocalDpi xmlns:a14="http://schemas.microsoft.com/office/drawing/2010/main" val="0"/>
+                </a:ext>
+              </a:extLst>
+            </a:blip>
+            <a:stretch>
+              <a:fillRect/>
+            </a:stretch>
+          </p:blipFill>
+          <p:spPr>
+            <a:xfrm>
+              <a:off x="4795901" y="787684"/>
+              <a:ext cx="6095238" cy="4571429"/>
+            </a:xfrm>
+            <a:prstGeom prst="rect">
+              <a:avLst/>
+            </a:prstGeom>
+          </p:spPr>
+        </p:pic>
+        <p:pic>
+          <p:nvPicPr>
+            <p:cNvPr id="13" name="圖片 12">
+              <a:extLst>
+                <a:ext uri="{FF2B5EF4-FFF2-40B4-BE49-F238E27FC236}">
+                  <a16:creationId xmlns:a16="http://schemas.microsoft.com/office/drawing/2014/main" id="{1F2B79F2-DA9A-458E-9868-BAFC0016854F}"/>
+                </a:ext>
+              </a:extLst>
+            </p:cNvPr>
+            <p:cNvPicPr>
+              <a:picLocks noChangeAspect="1"/>
+            </p:cNvPicPr>
+            <p:nvPr/>
+          </p:nvPicPr>
+          <p:blipFill>
+            <a:blip r:embed="rId3">
+              <a:extLst>
+                <a:ext uri="{28A0092B-C50C-407E-A947-70E740481C1C}">
+                  <a14:useLocalDpi xmlns:a14="http://schemas.microsoft.com/office/drawing/2010/main" val="0"/>
+                </a:ext>
+              </a:extLst>
+            </a:blip>
+            <a:stretch>
+              <a:fillRect/>
+            </a:stretch>
+          </p:blipFill>
+          <p:spPr>
+            <a:xfrm>
+              <a:off x="6238431" y="2174240"/>
+              <a:ext cx="3013750" cy="2260313"/>
+            </a:xfrm>
+            <a:prstGeom prst="rect">
+              <a:avLst/>
+            </a:prstGeom>
+          </p:spPr>
+        </p:pic>
+      </p:grpSp>
     </p:spTree>
     <p:extLst>
       <p:ext uri="{BB962C8B-B14F-4D97-AF65-F5344CB8AC3E}">
